--- a/Introduction.pptx
+++ b/Introduction.pptx
@@ -427,7 +427,7 @@
     </p:spTree>
     <p:extLst>
       <p:ext uri="{BB962C8B-B14F-4D97-AF65-F5344CB8AC3E}">
-        <p14:creationId xmlns="" xmlns:p14="http://schemas.microsoft.com/office/powerpoint/2010/main" val="4085642230"/>
+        <p14:creationId xmlns:p14="http://schemas.microsoft.com/office/powerpoint/2010/main" xmlns="" val="4085642230"/>
       </p:ext>
     </p:extLst>
   </p:cSld>
@@ -810,7 +810,7 @@
     </p:spTree>
     <p:extLst>
       <p:ext uri="{BB962C8B-B14F-4D97-AF65-F5344CB8AC3E}">
-        <p14:creationId xmlns="" xmlns:p14="http://schemas.microsoft.com/office/powerpoint/2010/main" val="3928537031"/>
+        <p14:creationId xmlns:p14="http://schemas.microsoft.com/office/powerpoint/2010/main" xmlns="" val="3928537031"/>
       </p:ext>
     </p:extLst>
   </p:cSld>
@@ -4369,7 +4369,7 @@
           <p:nvPr>
             <p:extLst>
               <p:ext uri="{D42A27DB-BD31-4B8C-83A1-F6EECF244321}">
-                <p14:modId xmlns="" xmlns:p14="http://schemas.microsoft.com/office/powerpoint/2010/main" val="1965624729"/>
+                <p14:modId xmlns:p14="http://schemas.microsoft.com/office/powerpoint/2010/main" xmlns="" val="1965624729"/>
               </p:ext>
             </p:extLst>
           </p:nvPr>
@@ -7652,15 +7652,7 @@
                   <a:schemeClr val="accent6"/>
                 </a:solidFill>
               </a:rPr>
-              <a:t>　この準備作業</a:t>
-            </a:r>
-            <a:r>
-              <a:rPr lang="ja-JP" altLang="en-US" sz="2000" dirty="0" smtClean="0">
-                <a:solidFill>
-                  <a:schemeClr val="accent6"/>
-                </a:solidFill>
-              </a:rPr>
-              <a:t>を容易にする</a:t>
+              <a:t>　この準備作業を容易にする</a:t>
             </a:r>
             <a:r>
               <a:rPr lang="en-US" altLang="ja-JP" sz="2000" dirty="0" smtClean="0">
@@ -12017,11 +12009,7 @@
             </a:pPr>
             <a:r>
               <a:rPr kumimoji="0" lang="ja-JP" altLang="en-US" sz="1800" dirty="0" smtClean="0"/>
-              <a:t>設定ファイル</a:t>
-            </a:r>
-            <a:r>
-              <a:rPr kumimoji="0" lang="ja-JP" altLang="en-US" sz="1800" dirty="0" smtClean="0"/>
-              <a:t>の</a:t>
+              <a:t>設定ファイルの</a:t>
             </a:r>
             <a:endParaRPr kumimoji="0" lang="en-US" altLang="ja-JP" sz="1800" dirty="0" smtClean="0"/>
           </a:p>
@@ -12033,15 +12021,7 @@
             </a:pPr>
             <a:r>
               <a:rPr kumimoji="0" lang="ja-JP" altLang="en-US" sz="1800" dirty="0" smtClean="0"/>
-              <a:t>変更</a:t>
-            </a:r>
-            <a:r>
-              <a:rPr kumimoji="0" lang="ja-JP" altLang="en-US" sz="1800" dirty="0" smtClean="0"/>
-              <a:t>のみで</a:t>
-            </a:r>
-            <a:r>
-              <a:rPr kumimoji="0" lang="ja-JP" altLang="en-US" sz="1800" dirty="0" smtClean="0"/>
-              <a:t>対応可能</a:t>
+              <a:t>変更のみで対応可能</a:t>
             </a:r>
             <a:endParaRPr kumimoji="0" lang="en-US" altLang="ja-JP" sz="1800" dirty="0"/>
           </a:p>
@@ -30430,11 +30410,7 @@
             </a:r>
             <a:r>
               <a:rPr lang="ja-JP" altLang="en-US" sz="2000" dirty="0" smtClean="0"/>
-              <a:t>ユーザが、棟梁を使うことにより、企業競争力や技術力が向上することに少しでも貢献できれば幸いです</a:t>
-            </a:r>
-            <a:r>
-              <a:rPr lang="ja-JP" altLang="en-US" sz="2000" dirty="0" smtClean="0"/>
-              <a:t>。</a:t>
+              <a:t>ユーザが、棟梁を使うことにより、企業競争力や技術力が向上することに少しでも貢献できれば幸いです。</a:t>
             </a:r>
             <a:endParaRPr lang="en-US" altLang="ja-JP" sz="2000" dirty="0" smtClean="0"/>
           </a:p>
@@ -31652,15 +31628,7 @@
             </a:pPr>
             <a:r>
               <a:rPr lang="en-US" altLang="ja-JP" sz="3200" b="1" dirty="0" smtClean="0"/>
-              <a:t>4</a:t>
-            </a:r>
-            <a:r>
-              <a:rPr lang="en-US" altLang="ja-JP" sz="3200" b="1" dirty="0" smtClean="0"/>
-              <a:t>. </a:t>
-            </a:r>
-            <a:r>
-              <a:rPr lang="en-US" altLang="ja-JP" sz="3200" b="1" dirty="0" smtClean="0"/>
-              <a:t>D</a:t>
+              <a:t>4. D</a:t>
             </a:r>
             <a:r>
               <a:rPr lang="ja-JP" altLang="en-US" sz="3200" dirty="0"/>
@@ -43940,7 +43908,11 @@
             </a:r>
             <a:r>
               <a:rPr lang="en-US" altLang="ja-JP" dirty="0"/>
-              <a:t>.NET Framework 2.0 </a:t>
+              <a:t>.NET Framework </a:t>
+            </a:r>
+            <a:r>
+              <a:rPr lang="en-US" altLang="ja-JP" dirty="0" smtClean="0"/>
+              <a:t>3.5 </a:t>
             </a:r>
             <a:r>
               <a:rPr lang="ja-JP" altLang="en-US" dirty="0"/>
@@ -44115,7 +44087,11 @@
             </a:r>
             <a:r>
               <a:rPr lang="en-US" altLang="ja-JP" sz="2000" dirty="0" smtClean="0"/>
-              <a:t>source	: Apache License, Version 2.0</a:t>
+              <a:t>source		: </a:t>
+            </a:r>
+            <a:r>
+              <a:rPr lang="en-US" altLang="ja-JP" sz="2000" dirty="0" smtClean="0"/>
+              <a:t>Apache License, Version 2.0</a:t>
             </a:r>
           </a:p>
           <a:p>
@@ -44172,7 +44148,7 @@
           <p:nvPr>
             <p:extLst>
               <p:ext uri="{D42A27DB-BD31-4B8C-83A1-F6EECF244321}">
-                <p14:modId xmlns="" xmlns:p14="http://schemas.microsoft.com/office/powerpoint/2010/main" val="2614244416"/>
+                <p14:modId xmlns:p14="http://schemas.microsoft.com/office/powerpoint/2010/main" xmlns="" val="2614244416"/>
               </p:ext>
             </p:extLst>
           </p:nvPr>
@@ -44981,7 +44957,52 @@
                           <a:ea typeface="HGP創英角ｺﾞｼｯｸUB" pitchFamily="50" charset="-128"/>
                           <a:cs typeface="Times New Roman" pitchFamily="18" charset="0"/>
                         </a:rPr>
-                        <a:t> .NET Framework 2.0 – 4.5.1</a:t>
+                        <a:t> .NET </a:t>
+                      </a:r>
+                      <a:r>
+                        <a:rPr kumimoji="1" lang="en-US" altLang="ja-JP" sz="1800" b="0" i="0" u="none" strike="noStrike" cap="none" normalizeH="0" baseline="0" smtClean="0">
+                          <a:ln>
+                            <a:noFill/>
+                          </a:ln>
+                          <a:solidFill>
+                            <a:schemeClr val="tx1"/>
+                          </a:solidFill>
+                          <a:effectLst/>
+                          <a:latin typeface="Verdana" pitchFamily="34" charset="0"/>
+                          <a:ea typeface="HGP創英角ｺﾞｼｯｸUB" pitchFamily="50" charset="-128"/>
+                          <a:cs typeface="Times New Roman" pitchFamily="18" charset="0"/>
+                        </a:rPr>
+                        <a:t>Framework </a:t>
+                      </a:r>
+                      <a:r>
+                        <a:rPr kumimoji="1" lang="en-US" altLang="ja-JP" sz="1800" b="0" i="0" u="none" strike="noStrike" cap="none" normalizeH="0" baseline="0" smtClean="0">
+                          <a:ln>
+                            <a:noFill/>
+                          </a:ln>
+                          <a:solidFill>
+                            <a:schemeClr val="tx1"/>
+                          </a:solidFill>
+                          <a:effectLst/>
+                          <a:latin typeface="Verdana" pitchFamily="34" charset="0"/>
+                          <a:ea typeface="HGP創英角ｺﾞｼｯｸUB" pitchFamily="50" charset="-128"/>
+                          <a:cs typeface="Times New Roman" pitchFamily="18" charset="0"/>
+                        </a:rPr>
+                        <a:t>3.5 </a:t>
+                      </a:r>
+                      <a:r>
+                        <a:rPr kumimoji="1" lang="en-US" altLang="ja-JP" sz="1800" b="0" i="0" u="none" strike="noStrike" cap="none" normalizeH="0" baseline="0" dirty="0" smtClean="0">
+                          <a:ln>
+                            <a:noFill/>
+                          </a:ln>
+                          <a:solidFill>
+                            <a:schemeClr val="tx1"/>
+                          </a:solidFill>
+                          <a:effectLst/>
+                          <a:latin typeface="Verdana" pitchFamily="34" charset="0"/>
+                          <a:ea typeface="HGP創英角ｺﾞｼｯｸUB" pitchFamily="50" charset="-128"/>
+                          <a:cs typeface="Times New Roman" pitchFamily="18" charset="0"/>
+                        </a:rPr>
+                        <a:t>– 4.5.1</a:t>
                       </a:r>
                       <a:endParaRPr kumimoji="1" lang="ja-JP" altLang="en-US" sz="1800" b="0" i="0" u="none" strike="noStrike" cap="none" normalizeH="0" baseline="0" dirty="0" smtClean="0">
                         <a:ln>
@@ -49156,7 +49177,7 @@
           <p:nvPr>
             <p:extLst>
               <p:ext uri="{D42A27DB-BD31-4B8C-83A1-F6EECF244321}">
-                <p14:modId xmlns="" xmlns:p14="http://schemas.microsoft.com/office/powerpoint/2010/main" val="592932253"/>
+                <p14:modId xmlns:p14="http://schemas.microsoft.com/office/powerpoint/2010/main" xmlns="" val="592932253"/>
               </p:ext>
             </p:extLst>
           </p:nvPr>
